--- a/CSED601 Dependable Computing/LedgerGuardReview.pptx
+++ b/CSED601 Dependable Computing/LedgerGuardReview.pptx
@@ -125,6 +125,11 @@
       </a:defRPr>
     </a:lvl9pPr>
   </p:defaultTextStyle>
+  <p:extLst>
+    <p:ext uri="{EFAFB233-063F-42B5-8137-9DF3F51BA10A}">
+      <p15:sldGuideLst xmlns:p15="http://schemas.microsoft.com/office/powerpoint/2012/main"/>
+    </p:ext>
+  </p:extLst>
 </p:presentation>
 </file>
 
@@ -4337,10 +4342,6 @@
           <a:lstStyle/>
           <a:p>
             <a:r>
-              <a:rPr lang="en-GB" dirty="0" smtClean="0"/>
-              <a:t>So, </a:t>
-            </a:r>
-            <a:r>
               <a:rPr lang="en-GB" dirty="0" err="1" smtClean="0"/>
               <a:t>LedgerGuard</a:t>
             </a:r>
@@ -5083,7 +5084,15 @@
             <a:pPr lvl="1"/>
             <a:r>
               <a:rPr lang="en-GB" dirty="0" smtClean="0"/>
-              <a:t>Study on Dependability </a:t>
+              <a:t>Study </a:t>
+            </a:r>
+            <a:r>
+              <a:rPr lang="en-GB" smtClean="0"/>
+              <a:t>on </a:t>
+            </a:r>
+            <a:r>
+              <a:rPr lang="en-GB" smtClean="0"/>
+              <a:t>dependability </a:t>
             </a:r>
             <a:r>
               <a:rPr lang="en-GB" dirty="0"/>
